--- a/Other/32_螺旋论与he系统简介.pptx
+++ b/Other/32_螺旋论与he系统简介.pptx
@@ -235,7 +235,7 @@
           <a:p>
             <a:fld id="{813DE6CF-62CC-7343-A959-1224342C8D20}" type="datetimeFigureOut">
               <a:rPr kumimoji="1" lang="zh-CN" altLang="en-US" smtClean="0"/>
-              <a:t>2019/3/27</a:t>
+              <a:t>2019/4/3</a:t>
             </a:fld>
             <a:endParaRPr kumimoji="1" lang="zh-CN" altLang="en-US"/>
           </a:p>
@@ -400,7 +400,7 @@
           <a:p>
             <a:fld id="{C5488D58-9FDD-4C58-9FC4-4667448151F3}" type="datetimeFigureOut">
               <a:rPr lang="zh-CN" altLang="en-US" smtClean="0"/>
-              <a:t>2019/3/27</a:t>
+              <a:t>2019/4/3</a:t>
             </a:fld>
             <a:endParaRPr lang="zh-CN" altLang="en-US"/>
           </a:p>
@@ -712,6 +712,65 @@
           <a:bodyPr/>
           <a:lstStyle/>
           <a:p>
+            <a:r>
+              <a:rPr lang="zh-CN" altLang="en-US" dirty="0" smtClean="0"/>
+              <a:t>时间线：</a:t>
+            </a:r>
+            <a:endParaRPr lang="en-US" altLang="zh-CN" dirty="0" smtClean="0"/>
+          </a:p>
+          <a:p>
+            <a:r>
+              <a:rPr lang="en-US" altLang="zh-CN" dirty="0" smtClean="0"/>
+              <a:t>1.16.10</a:t>
+            </a:r>
+            <a:r>
+              <a:rPr lang="zh-CN" altLang="en-US" dirty="0" smtClean="0"/>
+              <a:t>想法</a:t>
+            </a:r>
+            <a:endParaRPr lang="en-US" altLang="zh-CN" dirty="0" smtClean="0"/>
+          </a:p>
+          <a:p>
+            <a:r>
+              <a:rPr lang="en-US" altLang="zh-CN" dirty="0" smtClean="0"/>
+              <a:t>2.17.03</a:t>
+            </a:r>
+            <a:r>
+              <a:rPr lang="zh-CN" altLang="en-US" dirty="0" smtClean="0"/>
+              <a:t>立项</a:t>
+            </a:r>
+            <a:endParaRPr lang="en-US" altLang="zh-CN" dirty="0" smtClean="0"/>
+          </a:p>
+          <a:p>
+            <a:r>
+              <a:rPr lang="en-US" altLang="zh-CN" dirty="0" smtClean="0"/>
+              <a:t>3.18.02</a:t>
+            </a:r>
+            <a:r>
+              <a:rPr lang="zh-CN" altLang="en-US" dirty="0" smtClean="0"/>
+              <a:t>螺旋论成形</a:t>
+            </a:r>
+            <a:endParaRPr lang="en-US" altLang="zh-CN" dirty="0" smtClean="0"/>
+          </a:p>
+          <a:p>
+            <a:r>
+              <a:rPr lang="en-US" altLang="zh-CN" dirty="0" smtClean="0"/>
+              <a:t>4.18.10</a:t>
+            </a:r>
+            <a:r>
+              <a:rPr lang="zh-CN" altLang="en-US" dirty="0" smtClean="0"/>
+              <a:t>落地</a:t>
+            </a:r>
+            <a:endParaRPr lang="en-US" altLang="zh-CN" dirty="0" smtClean="0"/>
+          </a:p>
+          <a:p>
+            <a:r>
+              <a:rPr lang="en-US" altLang="zh-CN" dirty="0" smtClean="0"/>
+              <a:t>5.18.11</a:t>
+            </a:r>
+            <a:r>
+              <a:rPr lang="zh-CN" altLang="en-US" dirty="0" smtClean="0"/>
+              <a:t>乌鸦生存演示至今</a:t>
+            </a:r>
             <a:endParaRPr lang="zh-CN" altLang="en-US" dirty="0"/>
           </a:p>
         </p:txBody>
@@ -1720,6 +1779,10 @@
           <a:bodyPr/>
           <a:lstStyle/>
           <a:p>
+            <a:r>
+              <a:rPr lang="zh-CN" altLang="en-US" smtClean="0"/>
+              <a:t>世界是熵增的，智能体是熵减的。</a:t>
+            </a:r>
             <a:endParaRPr lang="zh-CN" altLang="en-US" dirty="0"/>
           </a:p>
         </p:txBody>
@@ -5137,11 +5200,11 @@
   <p:clrMapOvr>
     <a:masterClrMapping/>
   </p:clrMapOvr>
-  <mc:AlternateContent xmlns:mc="http://schemas.openxmlformats.org/markup-compatibility/2006">
-    <mc:Choice xmlns:p14="http://schemas.microsoft.com/office/powerpoint/2010/main" Requires="p14">
+  <mc:AlternateContent xmlns:mc="http://schemas.openxmlformats.org/markup-compatibility/2006" xmlns:p14="http://schemas.microsoft.com/office/powerpoint/2010/main">
+    <mc:Choice Requires="p14">
       <p:transition p14:dur="0"/>
     </mc:Choice>
-    <mc:Fallback>
+    <mc:Fallback xmlns="">
       <p:transition/>
     </mc:Fallback>
   </mc:AlternateContent>
@@ -5368,7 +5431,7 @@
         <p:spPr>
           <a:xfrm>
             <a:off x="711415" y="1441208"/>
-            <a:ext cx="2971443" cy="2864567"/>
+            <a:ext cx="2971443" cy="2908489"/>
           </a:xfrm>
           <a:prstGeom prst="rect">
             <a:avLst/>
@@ -5440,7 +5503,7 @@
                 </a:solidFill>
                 <a:latin typeface="arial" charset="0"/>
               </a:rPr>
-              <a:t>由静到动</a:t>
+              <a:t>由动到静</a:t>
             </a:r>
             <a:endParaRPr lang="en-US" altLang="zh-CN" dirty="0">
               <a:solidFill>
@@ -5459,7 +5522,7 @@
               </a:lnSpc>
             </a:pPr>
             <a:r>
-              <a:rPr lang="zh-CN" altLang="en-US" sz="1600" dirty="0">
+              <a:rPr lang="zh-CN" altLang="en-US" sz="1600" dirty="0" smtClean="0">
                 <a:solidFill>
                   <a:schemeClr val="accent4">
                     <a:lumMod val="20000"/>
@@ -5468,7 +5531,19 @@
                 </a:solidFill>
                 <a:latin typeface="arial" charset="0"/>
               </a:rPr>
-              <a:t>认知学习，从具象向抽象</a:t>
+              <a:t>认知</a:t>
+            </a:r>
+            <a:r>
+              <a:rPr lang="zh-CN" altLang="en-US" sz="1600" dirty="0">
+                <a:solidFill>
+                  <a:schemeClr val="accent4">
+                    <a:lumMod val="20000"/>
+                    <a:lumOff val="80000"/>
+                  </a:schemeClr>
+                </a:solidFill>
+                <a:latin typeface="arial" charset="0"/>
+              </a:rPr>
+              <a:t>学习，从具象向抽象</a:t>
             </a:r>
             <a:endParaRPr lang="en-US" altLang="zh-CN" dirty="0">
               <a:solidFill>
@@ -5497,7 +5572,7 @@
                 </a:solidFill>
                 <a:latin typeface="arial" charset="0"/>
               </a:rPr>
-              <a:t>由动到静</a:t>
+              <a:t>由静到动</a:t>
             </a:r>
             <a:endParaRPr lang="en-US" altLang="zh-CN" dirty="0">
               <a:solidFill>
@@ -5516,7 +5591,7 @@
               </a:lnSpc>
             </a:pPr>
             <a:r>
-              <a:rPr lang="zh-CN" altLang="en-US" sz="1600" dirty="0">
+              <a:rPr lang="zh-CN" altLang="en-US" sz="1600" dirty="0" smtClean="0">
                 <a:solidFill>
                   <a:schemeClr val="accent4">
                     <a:lumMod val="20000"/>
@@ -5525,7 +5600,19 @@
                 </a:solidFill>
                 <a:latin typeface="arial" charset="0"/>
               </a:rPr>
-              <a:t>决策行为，从抽象向具象</a:t>
+              <a:t>决策</a:t>
+            </a:r>
+            <a:r>
+              <a:rPr lang="zh-CN" altLang="en-US" sz="1600" dirty="0">
+                <a:solidFill>
+                  <a:schemeClr val="accent4">
+                    <a:lumMod val="20000"/>
+                    <a:lumOff val="80000"/>
+                  </a:schemeClr>
+                </a:solidFill>
+                <a:latin typeface="arial" charset="0"/>
+              </a:rPr>
+              <a:t>行为，从抽象向具象</a:t>
             </a:r>
             <a:endParaRPr lang="en-US" altLang="zh-CN" dirty="0">
               <a:solidFill>
@@ -5653,11 +5740,11 @@
   <p:clrMapOvr>
     <a:masterClrMapping/>
   </p:clrMapOvr>
-  <mc:AlternateContent xmlns:mc="http://schemas.openxmlformats.org/markup-compatibility/2006">
-    <mc:Choice xmlns:p14="http://schemas.microsoft.com/office/powerpoint/2010/main" Requires="p14">
+  <mc:AlternateContent xmlns:mc="http://schemas.openxmlformats.org/markup-compatibility/2006" xmlns:p14="http://schemas.microsoft.com/office/powerpoint/2010/main">
+    <mc:Choice Requires="p14">
       <p:transition p14:dur="0"/>
     </mc:Choice>
-    <mc:Fallback>
+    <mc:Fallback xmlns="">
       <p:transition/>
     </mc:Fallback>
   </mc:AlternateContent>
@@ -5884,7 +5971,7 @@
         <p:spPr>
           <a:xfrm>
             <a:off x="711415" y="1441208"/>
-            <a:ext cx="2971443" cy="2864567"/>
+            <a:ext cx="2971443" cy="2908489"/>
           </a:xfrm>
           <a:prstGeom prst="rect">
             <a:avLst/>
@@ -5956,7 +6043,7 @@
                 </a:solidFill>
                 <a:latin typeface="arial" charset="0"/>
               </a:rPr>
-              <a:t>由静到动</a:t>
+              <a:t>由动到静</a:t>
             </a:r>
             <a:endParaRPr lang="en-US" altLang="zh-CN" dirty="0">
               <a:solidFill>
@@ -5975,7 +6062,7 @@
               </a:lnSpc>
             </a:pPr>
             <a:r>
-              <a:rPr lang="zh-CN" altLang="en-US" sz="1600" dirty="0">
+              <a:rPr lang="zh-CN" altLang="en-US" sz="1600" dirty="0" smtClean="0">
                 <a:solidFill>
                   <a:schemeClr val="accent4">
                     <a:lumMod val="20000"/>
@@ -5984,7 +6071,19 @@
                 </a:solidFill>
                 <a:latin typeface="arial" charset="0"/>
               </a:rPr>
-              <a:t>认知学习，从具象向抽象</a:t>
+              <a:t>认知</a:t>
+            </a:r>
+            <a:r>
+              <a:rPr lang="zh-CN" altLang="en-US" sz="1600" dirty="0">
+                <a:solidFill>
+                  <a:schemeClr val="accent4">
+                    <a:lumMod val="20000"/>
+                    <a:lumOff val="80000"/>
+                  </a:schemeClr>
+                </a:solidFill>
+                <a:latin typeface="arial" charset="0"/>
+              </a:rPr>
+              <a:t>学习，从具象向抽象</a:t>
             </a:r>
             <a:endParaRPr lang="en-US" altLang="zh-CN" dirty="0">
               <a:solidFill>
@@ -6013,7 +6112,7 @@
                 </a:solidFill>
                 <a:latin typeface="arial" charset="0"/>
               </a:rPr>
-              <a:t>由动到静</a:t>
+              <a:t>由静到动</a:t>
             </a:r>
             <a:endParaRPr lang="en-US" altLang="zh-CN" dirty="0">
               <a:solidFill>
@@ -6032,7 +6131,7 @@
               </a:lnSpc>
             </a:pPr>
             <a:r>
-              <a:rPr lang="zh-CN" altLang="en-US" sz="1600" dirty="0">
+              <a:rPr lang="zh-CN" altLang="en-US" sz="1600" dirty="0" smtClean="0">
                 <a:solidFill>
                   <a:schemeClr val="accent4">
                     <a:lumMod val="20000"/>
@@ -6041,7 +6140,19 @@
                 </a:solidFill>
                 <a:latin typeface="arial" charset="0"/>
               </a:rPr>
-              <a:t>决策行为，从抽象向具象</a:t>
+              <a:t>决策</a:t>
+            </a:r>
+            <a:r>
+              <a:rPr lang="zh-CN" altLang="en-US" sz="1600" dirty="0">
+                <a:solidFill>
+                  <a:schemeClr val="accent4">
+                    <a:lumMod val="20000"/>
+                    <a:lumOff val="80000"/>
+                  </a:schemeClr>
+                </a:solidFill>
+                <a:latin typeface="arial" charset="0"/>
+              </a:rPr>
+              <a:t>行为，从抽象向具象</a:t>
             </a:r>
             <a:endParaRPr lang="en-US" altLang="zh-CN" dirty="0">
               <a:solidFill>
@@ -6169,11 +6280,11 @@
   <p:clrMapOvr>
     <a:masterClrMapping/>
   </p:clrMapOvr>
-  <mc:AlternateContent xmlns:mc="http://schemas.openxmlformats.org/markup-compatibility/2006">
-    <mc:Choice xmlns:p14="http://schemas.microsoft.com/office/powerpoint/2010/main" Requires="p14">
+  <mc:AlternateContent xmlns:mc="http://schemas.openxmlformats.org/markup-compatibility/2006" xmlns:p14="http://schemas.microsoft.com/office/powerpoint/2010/main">
+    <mc:Choice Requires="p14">
       <p:transition p14:dur="0"/>
     </mc:Choice>
-    <mc:Fallback>
+    <mc:Fallback xmlns="">
       <p:transition/>
     </mc:Fallback>
   </mc:AlternateContent>
@@ -6400,7 +6511,7 @@
         <p:spPr>
           <a:xfrm>
             <a:off x="711415" y="1441208"/>
-            <a:ext cx="2971443" cy="2864567"/>
+            <a:ext cx="2971443" cy="2908489"/>
           </a:xfrm>
           <a:prstGeom prst="rect">
             <a:avLst/>
@@ -6472,7 +6583,7 @@
                 </a:solidFill>
                 <a:latin typeface="arial" charset="0"/>
               </a:rPr>
-              <a:t>由静到动</a:t>
+              <a:t>由动到静</a:t>
             </a:r>
             <a:endParaRPr lang="en-US" altLang="zh-CN" dirty="0">
               <a:solidFill>
@@ -6491,7 +6602,7 @@
               </a:lnSpc>
             </a:pPr>
             <a:r>
-              <a:rPr lang="zh-CN" altLang="en-US" sz="1600" dirty="0">
+              <a:rPr lang="zh-CN" altLang="en-US" sz="1600" dirty="0" smtClean="0">
                 <a:solidFill>
                   <a:schemeClr val="accent4">
                     <a:lumMod val="20000"/>
@@ -6500,7 +6611,19 @@
                 </a:solidFill>
                 <a:latin typeface="arial" charset="0"/>
               </a:rPr>
-              <a:t>认知学习，从具象向抽象</a:t>
+              <a:t>认知</a:t>
+            </a:r>
+            <a:r>
+              <a:rPr lang="zh-CN" altLang="en-US" sz="1600" dirty="0">
+                <a:solidFill>
+                  <a:schemeClr val="accent4">
+                    <a:lumMod val="20000"/>
+                    <a:lumOff val="80000"/>
+                  </a:schemeClr>
+                </a:solidFill>
+                <a:latin typeface="arial" charset="0"/>
+              </a:rPr>
+              <a:t>学习，从具象向抽象</a:t>
             </a:r>
             <a:endParaRPr lang="en-US" altLang="zh-CN" dirty="0">
               <a:solidFill>
@@ -6529,7 +6652,7 @@
                 </a:solidFill>
                 <a:latin typeface="arial" charset="0"/>
               </a:rPr>
-              <a:t>由动到静</a:t>
+              <a:t>由静到动</a:t>
             </a:r>
             <a:endParaRPr lang="en-US" altLang="zh-CN" dirty="0">
               <a:solidFill>
@@ -6548,7 +6671,7 @@
               </a:lnSpc>
             </a:pPr>
             <a:r>
-              <a:rPr lang="zh-CN" altLang="en-US" sz="1600" dirty="0">
+              <a:rPr lang="zh-CN" altLang="en-US" sz="1600" dirty="0" smtClean="0">
                 <a:solidFill>
                   <a:schemeClr val="accent4">
                     <a:lumMod val="20000"/>
@@ -6557,7 +6680,19 @@
                 </a:solidFill>
                 <a:latin typeface="arial" charset="0"/>
               </a:rPr>
-              <a:t>决策行为，从抽象向具象</a:t>
+              <a:t>决策</a:t>
+            </a:r>
+            <a:r>
+              <a:rPr lang="zh-CN" altLang="en-US" sz="1600" dirty="0">
+                <a:solidFill>
+                  <a:schemeClr val="accent4">
+                    <a:lumMod val="20000"/>
+                    <a:lumOff val="80000"/>
+                  </a:schemeClr>
+                </a:solidFill>
+                <a:latin typeface="arial" charset="0"/>
+              </a:rPr>
+              <a:t>行为，从抽象向具象</a:t>
             </a:r>
             <a:endParaRPr lang="en-US" altLang="zh-CN" dirty="0">
               <a:solidFill>
@@ -6685,11 +6820,11 @@
   <p:clrMapOvr>
     <a:masterClrMapping/>
   </p:clrMapOvr>
-  <mc:AlternateContent xmlns:mc="http://schemas.openxmlformats.org/markup-compatibility/2006">
-    <mc:Choice xmlns:p14="http://schemas.microsoft.com/office/powerpoint/2010/main" Requires="p14">
+  <mc:AlternateContent xmlns:mc="http://schemas.openxmlformats.org/markup-compatibility/2006" xmlns:p14="http://schemas.microsoft.com/office/powerpoint/2010/main">
+    <mc:Choice Requires="p14">
       <p:transition p14:dur="0"/>
     </mc:Choice>
-    <mc:Fallback>
+    <mc:Fallback xmlns="">
       <p:transition/>
     </mc:Fallback>
   </mc:AlternateContent>
@@ -6916,7 +7051,7 @@
         <p:spPr>
           <a:xfrm>
             <a:off x="711415" y="1441208"/>
-            <a:ext cx="2971443" cy="2864567"/>
+            <a:ext cx="2971443" cy="2908489"/>
           </a:xfrm>
           <a:prstGeom prst="rect">
             <a:avLst/>
@@ -6988,7 +7123,7 @@
                 </a:solidFill>
                 <a:latin typeface="arial" charset="0"/>
               </a:rPr>
-              <a:t>由静到动</a:t>
+              <a:t>由动到静</a:t>
             </a:r>
             <a:endParaRPr lang="en-US" altLang="zh-CN" dirty="0">
               <a:solidFill>
@@ -7007,7 +7142,7 @@
               </a:lnSpc>
             </a:pPr>
             <a:r>
-              <a:rPr lang="zh-CN" altLang="en-US" sz="1600" dirty="0">
+              <a:rPr lang="zh-CN" altLang="en-US" sz="1600" dirty="0" smtClean="0">
                 <a:solidFill>
                   <a:schemeClr val="accent4">
                     <a:lumMod val="20000"/>
@@ -7016,7 +7151,19 @@
                 </a:solidFill>
                 <a:latin typeface="arial" charset="0"/>
               </a:rPr>
-              <a:t>认知学习，从具象向抽象</a:t>
+              <a:t>认知</a:t>
+            </a:r>
+            <a:r>
+              <a:rPr lang="zh-CN" altLang="en-US" sz="1600" dirty="0">
+                <a:solidFill>
+                  <a:schemeClr val="accent4">
+                    <a:lumMod val="20000"/>
+                    <a:lumOff val="80000"/>
+                  </a:schemeClr>
+                </a:solidFill>
+                <a:latin typeface="arial" charset="0"/>
+              </a:rPr>
+              <a:t>学习，从具象向抽象</a:t>
             </a:r>
             <a:endParaRPr lang="en-US" altLang="zh-CN" dirty="0">
               <a:solidFill>
@@ -7045,7 +7192,7 @@
                 </a:solidFill>
                 <a:latin typeface="arial" charset="0"/>
               </a:rPr>
-              <a:t>由动到静</a:t>
+              <a:t>由静到动</a:t>
             </a:r>
             <a:endParaRPr lang="en-US" altLang="zh-CN" dirty="0">
               <a:solidFill>
@@ -7064,7 +7211,7 @@
               </a:lnSpc>
             </a:pPr>
             <a:r>
-              <a:rPr lang="zh-CN" altLang="en-US" sz="1600" dirty="0">
+              <a:rPr lang="zh-CN" altLang="en-US" sz="1600" dirty="0" smtClean="0">
                 <a:solidFill>
                   <a:schemeClr val="accent4">
                     <a:lumMod val="20000"/>
@@ -7073,7 +7220,19 @@
                 </a:solidFill>
                 <a:latin typeface="arial" charset="0"/>
               </a:rPr>
-              <a:t>决策行为，从抽象向具象</a:t>
+              <a:t>决策</a:t>
+            </a:r>
+            <a:r>
+              <a:rPr lang="zh-CN" altLang="en-US" sz="1600" dirty="0">
+                <a:solidFill>
+                  <a:schemeClr val="accent4">
+                    <a:lumMod val="20000"/>
+                    <a:lumOff val="80000"/>
+                  </a:schemeClr>
+                </a:solidFill>
+                <a:latin typeface="arial" charset="0"/>
+              </a:rPr>
+              <a:t>行为，从抽象向具象</a:t>
             </a:r>
             <a:endParaRPr lang="en-US" altLang="zh-CN" dirty="0">
               <a:solidFill>
@@ -7201,11 +7360,11 @@
   <p:clrMapOvr>
     <a:masterClrMapping/>
   </p:clrMapOvr>
-  <mc:AlternateContent xmlns:mc="http://schemas.openxmlformats.org/markup-compatibility/2006">
-    <mc:Choice xmlns:p14="http://schemas.microsoft.com/office/powerpoint/2010/main" Requires="p14">
+  <mc:AlternateContent xmlns:mc="http://schemas.openxmlformats.org/markup-compatibility/2006" xmlns:p14="http://schemas.microsoft.com/office/powerpoint/2010/main">
+    <mc:Choice Requires="p14">
       <p:transition p14:dur="0"/>
     </mc:Choice>
-    <mc:Fallback>
+    <mc:Fallback xmlns="">
       <p:transition/>
     </mc:Fallback>
   </mc:AlternateContent>
@@ -7432,7 +7591,7 @@
         <p:spPr>
           <a:xfrm>
             <a:off x="711415" y="1441208"/>
-            <a:ext cx="2971443" cy="2864567"/>
+            <a:ext cx="2971443" cy="2908489"/>
           </a:xfrm>
           <a:prstGeom prst="rect">
             <a:avLst/>
@@ -7504,7 +7663,7 @@
                 </a:solidFill>
                 <a:latin typeface="arial" charset="0"/>
               </a:rPr>
-              <a:t>由静到动</a:t>
+              <a:t>由动到静</a:t>
             </a:r>
             <a:endParaRPr lang="en-US" altLang="zh-CN" dirty="0">
               <a:solidFill>
@@ -7523,7 +7682,7 @@
               </a:lnSpc>
             </a:pPr>
             <a:r>
-              <a:rPr lang="zh-CN" altLang="en-US" sz="1600" dirty="0">
+              <a:rPr lang="zh-CN" altLang="en-US" sz="1600" dirty="0" smtClean="0">
                 <a:solidFill>
                   <a:schemeClr val="accent4">
                     <a:lumMod val="20000"/>
@@ -7532,7 +7691,19 @@
                 </a:solidFill>
                 <a:latin typeface="arial" charset="0"/>
               </a:rPr>
-              <a:t>认知学习，从具象向抽象</a:t>
+              <a:t>认知</a:t>
+            </a:r>
+            <a:r>
+              <a:rPr lang="zh-CN" altLang="en-US" sz="1600" dirty="0">
+                <a:solidFill>
+                  <a:schemeClr val="accent4">
+                    <a:lumMod val="20000"/>
+                    <a:lumOff val="80000"/>
+                  </a:schemeClr>
+                </a:solidFill>
+                <a:latin typeface="arial" charset="0"/>
+              </a:rPr>
+              <a:t>学习，从具象向抽象</a:t>
             </a:r>
             <a:endParaRPr lang="en-US" altLang="zh-CN" dirty="0">
               <a:solidFill>
@@ -7561,7 +7732,7 @@
                 </a:solidFill>
                 <a:latin typeface="arial" charset="0"/>
               </a:rPr>
-              <a:t>由动到静</a:t>
+              <a:t>由静到动</a:t>
             </a:r>
             <a:endParaRPr lang="en-US" altLang="zh-CN" dirty="0">
               <a:solidFill>
@@ -7580,7 +7751,7 @@
               </a:lnSpc>
             </a:pPr>
             <a:r>
-              <a:rPr lang="zh-CN" altLang="en-US" sz="1600" dirty="0">
+              <a:rPr lang="zh-CN" altLang="en-US" sz="1600" dirty="0" smtClean="0">
                 <a:solidFill>
                   <a:schemeClr val="accent4">
                     <a:lumMod val="20000"/>
@@ -7589,7 +7760,19 @@
                 </a:solidFill>
                 <a:latin typeface="arial" charset="0"/>
               </a:rPr>
-              <a:t>决策行为，从抽象向具象</a:t>
+              <a:t>决策</a:t>
+            </a:r>
+            <a:r>
+              <a:rPr lang="zh-CN" altLang="en-US" sz="1600" dirty="0">
+                <a:solidFill>
+                  <a:schemeClr val="accent4">
+                    <a:lumMod val="20000"/>
+                    <a:lumOff val="80000"/>
+                  </a:schemeClr>
+                </a:solidFill>
+                <a:latin typeface="arial" charset="0"/>
+              </a:rPr>
+              <a:t>行为，从抽象向具象</a:t>
             </a:r>
             <a:endParaRPr lang="en-US" altLang="zh-CN" dirty="0">
               <a:solidFill>
@@ -7717,11 +7900,11 @@
   <p:clrMapOvr>
     <a:masterClrMapping/>
   </p:clrMapOvr>
-  <mc:AlternateContent xmlns:mc="http://schemas.openxmlformats.org/markup-compatibility/2006">
-    <mc:Choice xmlns:p14="http://schemas.microsoft.com/office/powerpoint/2010/main" Requires="p14">
+  <mc:AlternateContent xmlns:mc="http://schemas.openxmlformats.org/markup-compatibility/2006" xmlns:p14="http://schemas.microsoft.com/office/powerpoint/2010/main">
+    <mc:Choice Requires="p14">
       <p:transition p14:dur="0"/>
     </mc:Choice>
-    <mc:Fallback>
+    <mc:Fallback xmlns="">
       <p:transition/>
     </mc:Fallback>
   </mc:AlternateContent>
@@ -7948,7 +8131,7 @@
         <p:spPr>
           <a:xfrm>
             <a:off x="711415" y="1441208"/>
-            <a:ext cx="2971443" cy="2864567"/>
+            <a:ext cx="2971443" cy="2908489"/>
           </a:xfrm>
           <a:prstGeom prst="rect">
             <a:avLst/>
@@ -8020,7 +8203,7 @@
                 </a:solidFill>
                 <a:latin typeface="arial" charset="0"/>
               </a:rPr>
-              <a:t>由静到动</a:t>
+              <a:t>由动到静</a:t>
             </a:r>
             <a:endParaRPr lang="en-US" altLang="zh-CN" dirty="0">
               <a:solidFill>
@@ -8039,7 +8222,7 @@
               </a:lnSpc>
             </a:pPr>
             <a:r>
-              <a:rPr lang="zh-CN" altLang="en-US" sz="1600" dirty="0">
+              <a:rPr lang="zh-CN" altLang="en-US" sz="1600" dirty="0" smtClean="0">
                 <a:solidFill>
                   <a:schemeClr val="accent4">
                     <a:lumMod val="20000"/>
@@ -8048,7 +8231,19 @@
                 </a:solidFill>
                 <a:latin typeface="arial" charset="0"/>
               </a:rPr>
-              <a:t>认知学习，从具象向抽象</a:t>
+              <a:t>认知</a:t>
+            </a:r>
+            <a:r>
+              <a:rPr lang="zh-CN" altLang="en-US" sz="1600" dirty="0">
+                <a:solidFill>
+                  <a:schemeClr val="accent4">
+                    <a:lumMod val="20000"/>
+                    <a:lumOff val="80000"/>
+                  </a:schemeClr>
+                </a:solidFill>
+                <a:latin typeface="arial" charset="0"/>
+              </a:rPr>
+              <a:t>学习，从具象向抽象</a:t>
             </a:r>
             <a:endParaRPr lang="en-US" altLang="zh-CN" dirty="0">
               <a:solidFill>
@@ -8077,7 +8272,7 @@
                 </a:solidFill>
                 <a:latin typeface="arial" charset="0"/>
               </a:rPr>
-              <a:t>由动到静</a:t>
+              <a:t>由静到动</a:t>
             </a:r>
             <a:endParaRPr lang="en-US" altLang="zh-CN" dirty="0">
               <a:solidFill>
@@ -8096,7 +8291,7 @@
               </a:lnSpc>
             </a:pPr>
             <a:r>
-              <a:rPr lang="zh-CN" altLang="en-US" sz="1600" dirty="0">
+              <a:rPr lang="zh-CN" altLang="en-US" sz="1600" dirty="0" smtClean="0">
                 <a:solidFill>
                   <a:schemeClr val="accent4">
                     <a:lumMod val="20000"/>
@@ -8105,7 +8300,19 @@
                 </a:solidFill>
                 <a:latin typeface="arial" charset="0"/>
               </a:rPr>
-              <a:t>决策行为，从抽象向具象</a:t>
+              <a:t>决策</a:t>
+            </a:r>
+            <a:r>
+              <a:rPr lang="zh-CN" altLang="en-US" sz="1600" dirty="0">
+                <a:solidFill>
+                  <a:schemeClr val="accent4">
+                    <a:lumMod val="20000"/>
+                    <a:lumOff val="80000"/>
+                  </a:schemeClr>
+                </a:solidFill>
+                <a:latin typeface="arial" charset="0"/>
+              </a:rPr>
+              <a:t>行为，从抽象向具象</a:t>
             </a:r>
             <a:endParaRPr lang="en-US" altLang="zh-CN" dirty="0">
               <a:solidFill>
@@ -8233,11 +8440,11 @@
   <p:clrMapOvr>
     <a:masterClrMapping/>
   </p:clrMapOvr>
-  <mc:AlternateContent xmlns:mc="http://schemas.openxmlformats.org/markup-compatibility/2006">
-    <mc:Choice xmlns:p14="http://schemas.microsoft.com/office/powerpoint/2010/main" Requires="p14">
+  <mc:AlternateContent xmlns:mc="http://schemas.openxmlformats.org/markup-compatibility/2006" xmlns:p14="http://schemas.microsoft.com/office/powerpoint/2010/main">
+    <mc:Choice Requires="p14">
       <p:transition p14:dur="0"/>
     </mc:Choice>
-    <mc:Fallback>
+    <mc:Fallback xmlns="">
       <p:transition/>
     </mc:Fallback>
   </mc:AlternateContent>
@@ -8464,7 +8671,7 @@
         <p:spPr>
           <a:xfrm>
             <a:off x="711415" y="1441208"/>
-            <a:ext cx="2971443" cy="2864567"/>
+            <a:ext cx="2971443" cy="2908489"/>
           </a:xfrm>
           <a:prstGeom prst="rect">
             <a:avLst/>
@@ -8536,7 +8743,7 @@
                 </a:solidFill>
                 <a:latin typeface="arial" charset="0"/>
               </a:rPr>
-              <a:t>由静到动</a:t>
+              <a:t>由动到静</a:t>
             </a:r>
             <a:endParaRPr lang="en-US" altLang="zh-CN" dirty="0">
               <a:solidFill>
@@ -8555,7 +8762,7 @@
               </a:lnSpc>
             </a:pPr>
             <a:r>
-              <a:rPr lang="zh-CN" altLang="en-US" sz="1600" dirty="0">
+              <a:rPr lang="zh-CN" altLang="en-US" sz="1600" dirty="0" smtClean="0">
                 <a:solidFill>
                   <a:schemeClr val="accent4">
                     <a:lumMod val="20000"/>
@@ -8564,7 +8771,19 @@
                 </a:solidFill>
                 <a:latin typeface="arial" charset="0"/>
               </a:rPr>
-              <a:t>认知学习，从具象向抽象</a:t>
+              <a:t>认知</a:t>
+            </a:r>
+            <a:r>
+              <a:rPr lang="zh-CN" altLang="en-US" sz="1600" dirty="0">
+                <a:solidFill>
+                  <a:schemeClr val="accent4">
+                    <a:lumMod val="20000"/>
+                    <a:lumOff val="80000"/>
+                  </a:schemeClr>
+                </a:solidFill>
+                <a:latin typeface="arial" charset="0"/>
+              </a:rPr>
+              <a:t>学习，从具象向抽象</a:t>
             </a:r>
             <a:endParaRPr lang="en-US" altLang="zh-CN" dirty="0">
               <a:solidFill>
@@ -8593,7 +8812,7 @@
                 </a:solidFill>
                 <a:latin typeface="arial" charset="0"/>
               </a:rPr>
-              <a:t>由动到静</a:t>
+              <a:t>由静到动</a:t>
             </a:r>
             <a:endParaRPr lang="en-US" altLang="zh-CN" dirty="0">
               <a:solidFill>
@@ -8612,7 +8831,7 @@
               </a:lnSpc>
             </a:pPr>
             <a:r>
-              <a:rPr lang="zh-CN" altLang="en-US" sz="1600" dirty="0">
+              <a:rPr lang="zh-CN" altLang="en-US" sz="1600" dirty="0" smtClean="0">
                 <a:solidFill>
                   <a:schemeClr val="accent4">
                     <a:lumMod val="20000"/>
@@ -8621,7 +8840,19 @@
                 </a:solidFill>
                 <a:latin typeface="arial" charset="0"/>
               </a:rPr>
-              <a:t>决策行为，从抽象向具象</a:t>
+              <a:t>决策</a:t>
+            </a:r>
+            <a:r>
+              <a:rPr lang="zh-CN" altLang="en-US" sz="1600" dirty="0">
+                <a:solidFill>
+                  <a:schemeClr val="accent4">
+                    <a:lumMod val="20000"/>
+                    <a:lumOff val="80000"/>
+                  </a:schemeClr>
+                </a:solidFill>
+                <a:latin typeface="arial" charset="0"/>
+              </a:rPr>
+              <a:t>行为，从抽象向具象</a:t>
             </a:r>
             <a:endParaRPr lang="en-US" altLang="zh-CN" dirty="0">
               <a:solidFill>
@@ -8736,11 +8967,11 @@
   <p:clrMapOvr>
     <a:masterClrMapping/>
   </p:clrMapOvr>
-  <mc:AlternateContent xmlns:mc="http://schemas.openxmlformats.org/markup-compatibility/2006">
-    <mc:Choice xmlns:p14="http://schemas.microsoft.com/office/powerpoint/2010/main" Requires="p14">
+  <mc:AlternateContent xmlns:mc="http://schemas.openxmlformats.org/markup-compatibility/2006" xmlns:p14="http://schemas.microsoft.com/office/powerpoint/2010/main">
+    <mc:Choice Requires="p14">
       <p:transition p14:dur="0"/>
     </mc:Choice>
-    <mc:Fallback>
+    <mc:Fallback xmlns="">
       <p:transition/>
     </mc:Fallback>
   </mc:AlternateContent>
@@ -9638,11 +9869,11 @@
   <p:clrMapOvr>
     <a:masterClrMapping/>
   </p:clrMapOvr>
-  <mc:AlternateContent xmlns:mc="http://schemas.openxmlformats.org/markup-compatibility/2006">
-    <mc:Choice xmlns:p14="http://schemas.microsoft.com/office/powerpoint/2010/main" Requires="p14">
+  <mc:AlternateContent xmlns:mc="http://schemas.openxmlformats.org/markup-compatibility/2006" xmlns:p14="http://schemas.microsoft.com/office/powerpoint/2010/main">
+    <mc:Choice Requires="p14">
       <p:transition p14:dur="0"/>
     </mc:Choice>
-    <mc:Fallback>
+    <mc:Fallback xmlns="">
       <p:transition/>
     </mc:Fallback>
   </mc:AlternateContent>
@@ -10419,11 +10650,11 @@
   <p:clrMapOvr>
     <a:masterClrMapping/>
   </p:clrMapOvr>
-  <mc:AlternateContent xmlns:mc="http://schemas.openxmlformats.org/markup-compatibility/2006">
-    <mc:Choice xmlns:p14="http://schemas.microsoft.com/office/powerpoint/2010/main" Requires="p14">
+  <mc:AlternateContent xmlns:mc="http://schemas.openxmlformats.org/markup-compatibility/2006" xmlns:p14="http://schemas.microsoft.com/office/powerpoint/2010/main">
+    <mc:Choice Requires="p14">
       <p:transition p14:dur="0"/>
     </mc:Choice>
-    <mc:Fallback>
+    <mc:Fallback xmlns="">
       <p:transition/>
     </mc:Fallback>
   </mc:AlternateContent>
@@ -10857,11 +11088,11 @@
   <p:clrMapOvr>
     <a:masterClrMapping/>
   </p:clrMapOvr>
-  <mc:AlternateContent xmlns:mc="http://schemas.openxmlformats.org/markup-compatibility/2006">
-    <mc:Choice xmlns:p14="http://schemas.microsoft.com/office/powerpoint/2010/main" Requires="p14">
+  <mc:AlternateContent xmlns:mc="http://schemas.openxmlformats.org/markup-compatibility/2006" xmlns:p14="http://schemas.microsoft.com/office/powerpoint/2010/main">
+    <mc:Choice Requires="p14">
       <p:transition p14:dur="0"/>
     </mc:Choice>
-    <mc:Fallback>
+    <mc:Fallback xmlns="">
       <p:transition/>
     </mc:Fallback>
   </mc:AlternateContent>
@@ -11113,11 +11344,11 @@
   <p:clrMapOvr>
     <a:masterClrMapping/>
   </p:clrMapOvr>
-  <mc:AlternateContent xmlns:mc="http://schemas.openxmlformats.org/markup-compatibility/2006">
-    <mc:Choice xmlns:p14="http://schemas.microsoft.com/office/powerpoint/2010/main" Requires="p14">
+  <mc:AlternateContent xmlns:mc="http://schemas.openxmlformats.org/markup-compatibility/2006" xmlns:p14="http://schemas.microsoft.com/office/powerpoint/2010/main">
+    <mc:Choice Requires="p14">
       <p:transition p14:dur="0"/>
     </mc:Choice>
-    <mc:Fallback>
+    <mc:Fallback xmlns="">
       <p:transition/>
     </mc:Fallback>
   </mc:AlternateContent>
@@ -11440,52 +11671,7 @@
                 </a:solidFill>
                 <a:latin typeface="arial" charset="0"/>
               </a:rPr>
-              <a:t>　　螺旋论本质上是熵减机理论，用来</a:t>
-            </a:r>
-            <a:r>
-              <a:rPr lang="zh-CN" altLang="en-US" dirty="0" smtClean="0">
-                <a:solidFill>
-                  <a:schemeClr val="bg1"/>
-                </a:solidFill>
-                <a:latin typeface="arial" charset="0"/>
-              </a:rPr>
-              <a:t>构建</a:t>
-            </a:r>
-            <a:r>
-              <a:rPr lang="zh-CN" altLang="en-US" dirty="0" smtClean="0">
-                <a:solidFill>
-                  <a:schemeClr val="bg1"/>
-                </a:solidFill>
-                <a:latin typeface="arial" charset="0"/>
-              </a:rPr>
-              <a:t>各种各样的</a:t>
-            </a:r>
-            <a:r>
-              <a:rPr lang="zh-CN" altLang="en-US" dirty="0" smtClean="0">
-                <a:solidFill>
-                  <a:schemeClr val="bg1"/>
-                </a:solidFill>
-                <a:latin typeface="arial" charset="0"/>
-              </a:rPr>
-              <a:t>熵</a:t>
-            </a:r>
-            <a:r>
-              <a:rPr lang="zh-CN" altLang="en-US" dirty="0" smtClean="0">
-                <a:solidFill>
-                  <a:schemeClr val="bg1"/>
-                </a:solidFill>
-                <a:latin typeface="arial" charset="0"/>
-              </a:rPr>
-              <a:t>减机</a:t>
-            </a:r>
-            <a:r>
-              <a:rPr lang="zh-CN" altLang="en-US" dirty="0" smtClean="0">
-                <a:solidFill>
-                  <a:schemeClr val="bg1"/>
-                </a:solidFill>
-                <a:latin typeface="arial" charset="0"/>
-              </a:rPr>
-              <a:t>系统（包括</a:t>
+              <a:t>　　螺旋论本质上是熵减机理论，用来构建各种各样的熵减机系统（包括</a:t>
             </a:r>
             <a:r>
               <a:rPr lang="en-US" altLang="zh-CN" dirty="0" smtClean="0">
@@ -11637,11 +11823,11 @@
   <p:clrMapOvr>
     <a:masterClrMapping/>
   </p:clrMapOvr>
-  <mc:AlternateContent xmlns:mc="http://schemas.openxmlformats.org/markup-compatibility/2006">
-    <mc:Choice xmlns:p14="http://schemas.microsoft.com/office/powerpoint/2010/main" Requires="p14">
+  <mc:AlternateContent xmlns:mc="http://schemas.openxmlformats.org/markup-compatibility/2006" xmlns:p14="http://schemas.microsoft.com/office/powerpoint/2010/main">
+    <mc:Choice Requires="p14">
       <p:transition p14:dur="0"/>
     </mc:Choice>
-    <mc:Fallback>
+    <mc:Fallback xmlns="">
       <p:transition/>
     </mc:Fallback>
   </mc:AlternateContent>
@@ -11901,16 +12087,7 @@
                 </a:solidFill>
                 <a:latin typeface="arial" charset="0"/>
               </a:rPr>
-              <a:t>系统</a:t>
-            </a:r>
-            <a:r>
-              <a:rPr lang="zh-CN" altLang="en-US" dirty="0" smtClean="0">
-                <a:solidFill>
-                  <a:schemeClr val="bg1"/>
-                </a:solidFill>
-                <a:latin typeface="arial" charset="0"/>
-              </a:rPr>
-              <a:t>是在螺旋论之上构建的信息熵减机。</a:t>
+              <a:t>系统是在螺旋论之上构建的信息熵减机。</a:t>
             </a:r>
             <a:endParaRPr lang="en-US" altLang="zh-CN" dirty="0" smtClean="0">
               <a:solidFill>
@@ -11940,7 +12117,7 @@
               <a:buAutoNum type="arabicPeriod"/>
             </a:pPr>
             <a:r>
-              <a:rPr lang="zh-CN" altLang="en-US" dirty="0" smtClean="0">
+              <a:rPr lang="zh-CN" altLang="en-US" dirty="0">
                 <a:solidFill>
                   <a:schemeClr val="accent2">
                     <a:lumMod val="40000"/>
@@ -11949,7 +12126,31 @@
                 </a:solidFill>
                 <a:latin typeface="arial" charset="0"/>
               </a:rPr>
-              <a:t>由静到动</a:t>
+              <a:t>由</a:t>
+            </a:r>
+            <a:r>
+              <a:rPr lang="zh-CN" altLang="en-US" dirty="0" smtClean="0">
+                <a:solidFill>
+                  <a:schemeClr val="accent2">
+                    <a:lumMod val="40000"/>
+                    <a:lumOff val="60000"/>
+                  </a:schemeClr>
+                </a:solidFill>
+                <a:latin typeface="arial" charset="0"/>
+              </a:rPr>
+              <a:t>动到</a:t>
+            </a:r>
+            <a:r>
+              <a:rPr lang="zh-CN" altLang="en-US" dirty="0">
+                <a:solidFill>
+                  <a:schemeClr val="accent2">
+                    <a:lumMod val="40000"/>
+                    <a:lumOff val="60000"/>
+                  </a:schemeClr>
+                </a:solidFill>
+                <a:latin typeface="arial" charset="0"/>
+              </a:rPr>
+              <a:t>静</a:t>
             </a:r>
             <a:endParaRPr lang="en-US" altLang="zh-CN" dirty="0" smtClean="0">
               <a:solidFill>
@@ -12006,7 +12207,19 @@
                 </a:solidFill>
                 <a:latin typeface="arial" charset="0"/>
               </a:rPr>
-              <a:t>由动到静</a:t>
+              <a:t>由静到</a:t>
+            </a:r>
+            <a:r>
+              <a:rPr lang="zh-CN" altLang="en-US" dirty="0" smtClean="0">
+                <a:solidFill>
+                  <a:schemeClr val="accent6">
+                    <a:lumMod val="40000"/>
+                    <a:lumOff val="60000"/>
+                  </a:schemeClr>
+                </a:solidFill>
+                <a:latin typeface="arial" charset="0"/>
+              </a:rPr>
+              <a:t>动</a:t>
             </a:r>
             <a:endParaRPr lang="en-US" altLang="zh-CN" dirty="0">
               <a:solidFill>
@@ -12110,11 +12323,11 @@
   <p:clrMapOvr>
     <a:masterClrMapping/>
   </p:clrMapOvr>
-  <mc:AlternateContent xmlns:mc="http://schemas.openxmlformats.org/markup-compatibility/2006">
-    <mc:Choice xmlns:p14="http://schemas.microsoft.com/office/powerpoint/2010/main" Requires="p14">
+  <mc:AlternateContent xmlns:mc="http://schemas.openxmlformats.org/markup-compatibility/2006" xmlns:p14="http://schemas.microsoft.com/office/powerpoint/2010/main">
+    <mc:Choice Requires="p14">
       <p:transition p14:dur="0"/>
     </mc:Choice>
-    <mc:Fallback>
+    <mc:Fallback xmlns="">
       <p:transition/>
     </mc:Fallback>
   </mc:AlternateContent>
@@ -12341,7 +12554,7 @@
         <p:spPr>
           <a:xfrm>
             <a:off x="711415" y="1441208"/>
-            <a:ext cx="2971443" cy="2864567"/>
+            <a:ext cx="2971443" cy="2908489"/>
           </a:xfrm>
           <a:prstGeom prst="rect">
             <a:avLst/>
@@ -12413,7 +12626,7 @@
                 </a:solidFill>
                 <a:latin typeface="arial" charset="0"/>
               </a:rPr>
-              <a:t>由静到动</a:t>
+              <a:t>由动到静</a:t>
             </a:r>
             <a:endParaRPr lang="en-US" altLang="zh-CN" dirty="0">
               <a:solidFill>
@@ -12470,7 +12683,7 @@
                 </a:solidFill>
                 <a:latin typeface="arial" charset="0"/>
               </a:rPr>
-              <a:t>由动到静</a:t>
+              <a:t>由静到动</a:t>
             </a:r>
             <a:endParaRPr lang="en-US" altLang="zh-CN" dirty="0">
               <a:solidFill>
@@ -12626,11 +12839,11 @@
   <p:clrMapOvr>
     <a:masterClrMapping/>
   </p:clrMapOvr>
-  <mc:AlternateContent xmlns:mc="http://schemas.openxmlformats.org/markup-compatibility/2006">
-    <mc:Choice xmlns:p14="http://schemas.microsoft.com/office/powerpoint/2010/main" Requires="p14">
+  <mc:AlternateContent xmlns:mc="http://schemas.openxmlformats.org/markup-compatibility/2006" xmlns:p14="http://schemas.microsoft.com/office/powerpoint/2010/main">
+    <mc:Choice Requires="p14">
       <p:transition p14:dur="0"/>
     </mc:Choice>
-    <mc:Fallback>
+    <mc:Fallback xmlns="">
       <p:transition/>
     </mc:Fallback>
   </mc:AlternateContent>
@@ -12857,7 +13070,7 @@
         <p:spPr>
           <a:xfrm>
             <a:off x="711415" y="1441208"/>
-            <a:ext cx="2971443" cy="2864567"/>
+            <a:ext cx="2971443" cy="2908489"/>
           </a:xfrm>
           <a:prstGeom prst="rect">
             <a:avLst/>
@@ -12929,7 +13142,7 @@
                 </a:solidFill>
                 <a:latin typeface="arial" charset="0"/>
               </a:rPr>
-              <a:t>由静到动</a:t>
+              <a:t>由动到静</a:t>
             </a:r>
             <a:endParaRPr lang="en-US" altLang="zh-CN" dirty="0">
               <a:solidFill>
@@ -12948,7 +13161,7 @@
               </a:lnSpc>
             </a:pPr>
             <a:r>
-              <a:rPr lang="zh-CN" altLang="en-US" sz="1600" dirty="0">
+              <a:rPr lang="zh-CN" altLang="en-US" sz="1600" dirty="0" smtClean="0">
                 <a:solidFill>
                   <a:schemeClr val="accent4">
                     <a:lumMod val="20000"/>
@@ -12957,7 +13170,19 @@
                 </a:solidFill>
                 <a:latin typeface="arial" charset="0"/>
               </a:rPr>
-              <a:t>认知学习，从具象向抽象</a:t>
+              <a:t>认知</a:t>
+            </a:r>
+            <a:r>
+              <a:rPr lang="zh-CN" altLang="en-US" sz="1600" dirty="0">
+                <a:solidFill>
+                  <a:schemeClr val="accent4">
+                    <a:lumMod val="20000"/>
+                    <a:lumOff val="80000"/>
+                  </a:schemeClr>
+                </a:solidFill>
+                <a:latin typeface="arial" charset="0"/>
+              </a:rPr>
+              <a:t>学习，从具象向抽象</a:t>
             </a:r>
             <a:endParaRPr lang="en-US" altLang="zh-CN" dirty="0">
               <a:solidFill>
@@ -12986,7 +13211,7 @@
                 </a:solidFill>
                 <a:latin typeface="arial" charset="0"/>
               </a:rPr>
-              <a:t>由动到静</a:t>
+              <a:t>由静到动</a:t>
             </a:r>
             <a:endParaRPr lang="en-US" altLang="zh-CN" dirty="0">
               <a:solidFill>
@@ -13005,7 +13230,7 @@
               </a:lnSpc>
             </a:pPr>
             <a:r>
-              <a:rPr lang="zh-CN" altLang="en-US" sz="1600" dirty="0">
+              <a:rPr lang="zh-CN" altLang="en-US" sz="1600" dirty="0" smtClean="0">
                 <a:solidFill>
                   <a:schemeClr val="accent4">
                     <a:lumMod val="20000"/>
@@ -13014,7 +13239,19 @@
                 </a:solidFill>
                 <a:latin typeface="arial" charset="0"/>
               </a:rPr>
-              <a:t>决策行为，从抽象向具象</a:t>
+              <a:t>决策</a:t>
+            </a:r>
+            <a:r>
+              <a:rPr lang="zh-CN" altLang="en-US" sz="1600" dirty="0">
+                <a:solidFill>
+                  <a:schemeClr val="accent4">
+                    <a:lumMod val="20000"/>
+                    <a:lumOff val="80000"/>
+                  </a:schemeClr>
+                </a:solidFill>
+                <a:latin typeface="arial" charset="0"/>
+              </a:rPr>
+              <a:t>行为，从抽象向具象</a:t>
             </a:r>
             <a:endParaRPr lang="en-US" altLang="zh-CN" dirty="0">
               <a:solidFill>
@@ -13142,11 +13379,11 @@
   <p:clrMapOvr>
     <a:masterClrMapping/>
   </p:clrMapOvr>
-  <mc:AlternateContent xmlns:mc="http://schemas.openxmlformats.org/markup-compatibility/2006">
-    <mc:Choice xmlns:p14="http://schemas.microsoft.com/office/powerpoint/2010/main" Requires="p14">
+  <mc:AlternateContent xmlns:mc="http://schemas.openxmlformats.org/markup-compatibility/2006" xmlns:p14="http://schemas.microsoft.com/office/powerpoint/2010/main">
+    <mc:Choice Requires="p14">
       <p:transition p14:dur="0"/>
     </mc:Choice>
-    <mc:Fallback>
+    <mc:Fallback xmlns="">
       <p:transition/>
     </mc:Fallback>
   </mc:AlternateContent>
@@ -13373,7 +13610,7 @@
         <p:spPr>
           <a:xfrm>
             <a:off x="711415" y="1441208"/>
-            <a:ext cx="2971443" cy="2864567"/>
+            <a:ext cx="2971443" cy="2908489"/>
           </a:xfrm>
           <a:prstGeom prst="rect">
             <a:avLst/>
@@ -13445,7 +13682,7 @@
                 </a:solidFill>
                 <a:latin typeface="arial" charset="0"/>
               </a:rPr>
-              <a:t>由静到动</a:t>
+              <a:t>由动到静</a:t>
             </a:r>
             <a:endParaRPr lang="en-US" altLang="zh-CN" dirty="0">
               <a:solidFill>
@@ -13464,7 +13701,7 @@
               </a:lnSpc>
             </a:pPr>
             <a:r>
-              <a:rPr lang="zh-CN" altLang="en-US" sz="1600" dirty="0">
+              <a:rPr lang="zh-CN" altLang="en-US" sz="1600" dirty="0" smtClean="0">
                 <a:solidFill>
                   <a:schemeClr val="accent4">
                     <a:lumMod val="20000"/>
@@ -13473,7 +13710,19 @@
                 </a:solidFill>
                 <a:latin typeface="arial" charset="0"/>
               </a:rPr>
-              <a:t>认知学习，从具象向抽象</a:t>
+              <a:t>认知</a:t>
+            </a:r>
+            <a:r>
+              <a:rPr lang="zh-CN" altLang="en-US" sz="1600" dirty="0">
+                <a:solidFill>
+                  <a:schemeClr val="accent4">
+                    <a:lumMod val="20000"/>
+                    <a:lumOff val="80000"/>
+                  </a:schemeClr>
+                </a:solidFill>
+                <a:latin typeface="arial" charset="0"/>
+              </a:rPr>
+              <a:t>学习，从具象向抽象</a:t>
             </a:r>
             <a:endParaRPr lang="en-US" altLang="zh-CN" dirty="0">
               <a:solidFill>
@@ -13502,7 +13751,7 @@
                 </a:solidFill>
                 <a:latin typeface="arial" charset="0"/>
               </a:rPr>
-              <a:t>由动到静</a:t>
+              <a:t>由静到动</a:t>
             </a:r>
             <a:endParaRPr lang="en-US" altLang="zh-CN" dirty="0">
               <a:solidFill>
@@ -13521,7 +13770,7 @@
               </a:lnSpc>
             </a:pPr>
             <a:r>
-              <a:rPr lang="zh-CN" altLang="en-US" sz="1600" dirty="0">
+              <a:rPr lang="zh-CN" altLang="en-US" sz="1600" dirty="0" smtClean="0">
                 <a:solidFill>
                   <a:schemeClr val="accent4">
                     <a:lumMod val="20000"/>
@@ -13530,7 +13779,19 @@
                 </a:solidFill>
                 <a:latin typeface="arial" charset="0"/>
               </a:rPr>
-              <a:t>决策行为，从抽象向具象</a:t>
+              <a:t>决策</a:t>
+            </a:r>
+            <a:r>
+              <a:rPr lang="zh-CN" altLang="en-US" sz="1600" dirty="0">
+                <a:solidFill>
+                  <a:schemeClr val="accent4">
+                    <a:lumMod val="20000"/>
+                    <a:lumOff val="80000"/>
+                  </a:schemeClr>
+                </a:solidFill>
+                <a:latin typeface="arial" charset="0"/>
+              </a:rPr>
+              <a:t>行为，从抽象向具象</a:t>
             </a:r>
             <a:endParaRPr lang="en-US" altLang="zh-CN" dirty="0">
               <a:solidFill>
@@ -13658,11 +13919,11 @@
   <p:clrMapOvr>
     <a:masterClrMapping/>
   </p:clrMapOvr>
-  <mc:AlternateContent xmlns:mc="http://schemas.openxmlformats.org/markup-compatibility/2006">
-    <mc:Choice xmlns:p14="http://schemas.microsoft.com/office/powerpoint/2010/main" Requires="p14">
+  <mc:AlternateContent xmlns:mc="http://schemas.openxmlformats.org/markup-compatibility/2006" xmlns:p14="http://schemas.microsoft.com/office/powerpoint/2010/main">
+    <mc:Choice Requires="p14">
       <p:transition p14:dur="0"/>
     </mc:Choice>
-    <mc:Fallback>
+    <mc:Fallback xmlns="">
       <p:transition/>
     </mc:Fallback>
   </mc:AlternateContent>
@@ -13889,7 +14150,7 @@
         <p:spPr>
           <a:xfrm>
             <a:off x="711415" y="1441208"/>
-            <a:ext cx="2971443" cy="2864567"/>
+            <a:ext cx="2971443" cy="2908489"/>
           </a:xfrm>
           <a:prstGeom prst="rect">
             <a:avLst/>
@@ -13961,7 +14222,7 @@
                 </a:solidFill>
                 <a:latin typeface="arial" charset="0"/>
               </a:rPr>
-              <a:t>由静到动</a:t>
+              <a:t>由动到静</a:t>
             </a:r>
             <a:endParaRPr lang="en-US" altLang="zh-CN" dirty="0">
               <a:solidFill>
@@ -13980,7 +14241,7 @@
               </a:lnSpc>
             </a:pPr>
             <a:r>
-              <a:rPr lang="zh-CN" altLang="en-US" sz="1600" dirty="0">
+              <a:rPr lang="zh-CN" altLang="en-US" sz="1600" dirty="0" smtClean="0">
                 <a:solidFill>
                   <a:schemeClr val="accent4">
                     <a:lumMod val="20000"/>
@@ -13989,7 +14250,19 @@
                 </a:solidFill>
                 <a:latin typeface="arial" charset="0"/>
               </a:rPr>
-              <a:t>认知学习，从具象向抽象</a:t>
+              <a:t>认知</a:t>
+            </a:r>
+            <a:r>
+              <a:rPr lang="zh-CN" altLang="en-US" sz="1600" dirty="0">
+                <a:solidFill>
+                  <a:schemeClr val="accent4">
+                    <a:lumMod val="20000"/>
+                    <a:lumOff val="80000"/>
+                  </a:schemeClr>
+                </a:solidFill>
+                <a:latin typeface="arial" charset="0"/>
+              </a:rPr>
+              <a:t>学习，从具象向抽象</a:t>
             </a:r>
             <a:endParaRPr lang="en-US" altLang="zh-CN" dirty="0">
               <a:solidFill>
@@ -14018,7 +14291,7 @@
                 </a:solidFill>
                 <a:latin typeface="arial" charset="0"/>
               </a:rPr>
-              <a:t>由动到静</a:t>
+              <a:t>由静到动</a:t>
             </a:r>
             <a:endParaRPr lang="en-US" altLang="zh-CN" dirty="0">
               <a:solidFill>
@@ -14037,7 +14310,7 @@
               </a:lnSpc>
             </a:pPr>
             <a:r>
-              <a:rPr lang="zh-CN" altLang="en-US" sz="1600" dirty="0">
+              <a:rPr lang="zh-CN" altLang="en-US" sz="1600" dirty="0" smtClean="0">
                 <a:solidFill>
                   <a:schemeClr val="accent4">
                     <a:lumMod val="20000"/>
@@ -14046,7 +14319,19 @@
                 </a:solidFill>
                 <a:latin typeface="arial" charset="0"/>
               </a:rPr>
-              <a:t>决策行为，从抽象向具象</a:t>
+              <a:t>决策</a:t>
+            </a:r>
+            <a:r>
+              <a:rPr lang="zh-CN" altLang="en-US" sz="1600" dirty="0">
+                <a:solidFill>
+                  <a:schemeClr val="accent4">
+                    <a:lumMod val="20000"/>
+                    <a:lumOff val="80000"/>
+                  </a:schemeClr>
+                </a:solidFill>
+                <a:latin typeface="arial" charset="0"/>
+              </a:rPr>
+              <a:t>行为，从抽象向具象</a:t>
             </a:r>
             <a:endParaRPr lang="en-US" altLang="zh-CN" dirty="0">
               <a:solidFill>
@@ -14174,11 +14459,11 @@
   <p:clrMapOvr>
     <a:masterClrMapping/>
   </p:clrMapOvr>
-  <mc:AlternateContent xmlns:mc="http://schemas.openxmlformats.org/markup-compatibility/2006">
-    <mc:Choice xmlns:p14="http://schemas.microsoft.com/office/powerpoint/2010/main" Requires="p14">
+  <mc:AlternateContent xmlns:mc="http://schemas.openxmlformats.org/markup-compatibility/2006" xmlns:p14="http://schemas.microsoft.com/office/powerpoint/2010/main">
+    <mc:Choice Requires="p14">
       <p:transition p14:dur="0"/>
     </mc:Choice>
-    <mc:Fallback>
+    <mc:Fallback xmlns="">
       <p:transition/>
     </mc:Fallback>
   </mc:AlternateContent>
@@ -14405,7 +14690,7 @@
         <p:spPr>
           <a:xfrm>
             <a:off x="711415" y="1441208"/>
-            <a:ext cx="2971443" cy="2864567"/>
+            <a:ext cx="2971443" cy="2908489"/>
           </a:xfrm>
           <a:prstGeom prst="rect">
             <a:avLst/>
@@ -14477,7 +14762,7 @@
                 </a:solidFill>
                 <a:latin typeface="arial" charset="0"/>
               </a:rPr>
-              <a:t>由静到动</a:t>
+              <a:t>由动到静</a:t>
             </a:r>
             <a:endParaRPr lang="en-US" altLang="zh-CN" dirty="0">
               <a:solidFill>
@@ -14496,7 +14781,7 @@
               </a:lnSpc>
             </a:pPr>
             <a:r>
-              <a:rPr lang="zh-CN" altLang="en-US" sz="1600" dirty="0">
+              <a:rPr lang="zh-CN" altLang="en-US" sz="1600" dirty="0" smtClean="0">
                 <a:solidFill>
                   <a:schemeClr val="accent4">
                     <a:lumMod val="20000"/>
@@ -14505,7 +14790,19 @@
                 </a:solidFill>
                 <a:latin typeface="arial" charset="0"/>
               </a:rPr>
-              <a:t>认知学习，从具象向抽象</a:t>
+              <a:t>认知</a:t>
+            </a:r>
+            <a:r>
+              <a:rPr lang="zh-CN" altLang="en-US" sz="1600" dirty="0">
+                <a:solidFill>
+                  <a:schemeClr val="accent4">
+                    <a:lumMod val="20000"/>
+                    <a:lumOff val="80000"/>
+                  </a:schemeClr>
+                </a:solidFill>
+                <a:latin typeface="arial" charset="0"/>
+              </a:rPr>
+              <a:t>学习，从具象向抽象</a:t>
             </a:r>
             <a:endParaRPr lang="en-US" altLang="zh-CN" dirty="0">
               <a:solidFill>
@@ -14534,7 +14831,7 @@
                 </a:solidFill>
                 <a:latin typeface="arial" charset="0"/>
               </a:rPr>
-              <a:t>由动到静</a:t>
+              <a:t>由静到动</a:t>
             </a:r>
             <a:endParaRPr lang="en-US" altLang="zh-CN" dirty="0">
               <a:solidFill>
@@ -14553,7 +14850,7 @@
               </a:lnSpc>
             </a:pPr>
             <a:r>
-              <a:rPr lang="zh-CN" altLang="en-US" sz="1600" dirty="0">
+              <a:rPr lang="zh-CN" altLang="en-US" sz="1600" dirty="0" smtClean="0">
                 <a:solidFill>
                   <a:schemeClr val="accent4">
                     <a:lumMod val="20000"/>
@@ -14562,7 +14859,19 @@
                 </a:solidFill>
                 <a:latin typeface="arial" charset="0"/>
               </a:rPr>
-              <a:t>决策行为，从抽象向具象</a:t>
+              <a:t>决策</a:t>
+            </a:r>
+            <a:r>
+              <a:rPr lang="zh-CN" altLang="en-US" sz="1600" dirty="0">
+                <a:solidFill>
+                  <a:schemeClr val="accent4">
+                    <a:lumMod val="20000"/>
+                    <a:lumOff val="80000"/>
+                  </a:schemeClr>
+                </a:solidFill>
+                <a:latin typeface="arial" charset="0"/>
+              </a:rPr>
+              <a:t>行为，从抽象向具象</a:t>
             </a:r>
             <a:endParaRPr lang="en-US" altLang="zh-CN" dirty="0">
               <a:solidFill>
@@ -14690,11 +14999,11 @@
   <p:clrMapOvr>
     <a:masterClrMapping/>
   </p:clrMapOvr>
-  <mc:AlternateContent xmlns:mc="http://schemas.openxmlformats.org/markup-compatibility/2006">
-    <mc:Choice xmlns:p14="http://schemas.microsoft.com/office/powerpoint/2010/main" Requires="p14">
+  <mc:AlternateContent xmlns:mc="http://schemas.openxmlformats.org/markup-compatibility/2006" xmlns:p14="http://schemas.microsoft.com/office/powerpoint/2010/main">
+    <mc:Choice Requires="p14">
       <p:transition p14:dur="0"/>
     </mc:Choice>
-    <mc:Fallback>
+    <mc:Fallback xmlns="">
       <p:transition/>
     </mc:Fallback>
   </mc:AlternateContent>
